--- a/ppt 16-9/1392.伯大尼一家人.pptx
+++ b/ppt 16-9/1392.伯大尼一家人.pptx
@@ -129,7 +129,7 @@
           <p:cNvPr id="2" name="标题 1">
             <a:extLst>
               <a:ext uri="{FF2B5EF4-FFF2-40B4-BE49-F238E27FC236}">
-                <a16:creationId xmlns:a16="http://schemas.microsoft.com/office/drawing/2014/main" id="{4AFCB2D1-BD3D-A30C-DB50-F9F46C3F7981}"/>
+                <a16:creationId xmlns:a16="http://schemas.microsoft.com/office/drawing/2014/main" id="{CA0A9926-1CFA-FE35-C981-CEB43C4A4D40}"/>
               </a:ext>
             </a:extLst>
           </p:cNvPr>
@@ -166,7 +166,7 @@
           <p:cNvPr id="3" name="副标题 2">
             <a:extLst>
               <a:ext uri="{FF2B5EF4-FFF2-40B4-BE49-F238E27FC236}">
-                <a16:creationId xmlns:a16="http://schemas.microsoft.com/office/drawing/2014/main" id="{39A47A24-B0B4-150A-9418-D2832F3DDD4F}"/>
+                <a16:creationId xmlns:a16="http://schemas.microsoft.com/office/drawing/2014/main" id="{70123BEC-5D7E-7E75-6296-47E7BF3C9FA7}"/>
               </a:ext>
             </a:extLst>
           </p:cNvPr>
@@ -236,7 +236,7 @@
           <p:cNvPr id="4" name="日期占位符 3">
             <a:extLst>
               <a:ext uri="{FF2B5EF4-FFF2-40B4-BE49-F238E27FC236}">
-                <a16:creationId xmlns:a16="http://schemas.microsoft.com/office/drawing/2014/main" id="{A88AA34F-5AC3-E108-B159-FAEABF18A20C}"/>
+                <a16:creationId xmlns:a16="http://schemas.microsoft.com/office/drawing/2014/main" id="{788462DC-8B3A-BE37-EBDA-27F77AE6E618}"/>
               </a:ext>
             </a:extLst>
           </p:cNvPr>
@@ -252,7 +252,7 @@
           <a:bodyPr/>
           <a:lstStyle/>
           <a:p>
-            <a:fld id="{C0CA8F00-BFB6-4094-A54F-65A947A16C37}" type="datetimeFigureOut">
+            <a:fld id="{07EF49AE-BB04-49A1-8512-4C4C35FA6CD3}" type="datetimeFigureOut">
               <a:rPr lang="zh-CN" altLang="en-US" smtClean="0"/>
               <a:t>2024/3/10</a:t>
             </a:fld>
@@ -265,7 +265,7 @@
           <p:cNvPr id="5" name="页脚占位符 4">
             <a:extLst>
               <a:ext uri="{FF2B5EF4-FFF2-40B4-BE49-F238E27FC236}">
-                <a16:creationId xmlns:a16="http://schemas.microsoft.com/office/drawing/2014/main" id="{882D9BEC-7920-1AD6-C510-02BAA33DDA25}"/>
+                <a16:creationId xmlns:a16="http://schemas.microsoft.com/office/drawing/2014/main" id="{B8688682-657A-ED3E-9EA7-46FEC33D8857}"/>
               </a:ext>
             </a:extLst>
           </p:cNvPr>
@@ -290,7 +290,7 @@
           <p:cNvPr id="6" name="灯片编号占位符 5">
             <a:extLst>
               <a:ext uri="{FF2B5EF4-FFF2-40B4-BE49-F238E27FC236}">
-                <a16:creationId xmlns:a16="http://schemas.microsoft.com/office/drawing/2014/main" id="{DF35EC7D-10F2-0366-7621-179D0BED42EF}"/>
+                <a16:creationId xmlns:a16="http://schemas.microsoft.com/office/drawing/2014/main" id="{E7184013-FBD9-6F0B-0E31-9794AB620751}"/>
               </a:ext>
             </a:extLst>
           </p:cNvPr>
@@ -306,7 +306,7 @@
           <a:bodyPr/>
           <a:lstStyle/>
           <a:p>
-            <a:fld id="{07D9C0C8-F6C0-41E9-AD4D-14302F3371E3}" type="slidenum">
+            <a:fld id="{D4704666-067D-4999-A8C3-CE1C70975D4A}" type="slidenum">
               <a:rPr lang="zh-CN" altLang="en-US" smtClean="0"/>
               <a:t>‹#›</a:t>
             </a:fld>
@@ -317,7 +317,7 @@
     </p:spTree>
     <p:extLst>
       <p:ext uri="{BB962C8B-B14F-4D97-AF65-F5344CB8AC3E}">
-        <p14:creationId xmlns:p14="http://schemas.microsoft.com/office/powerpoint/2010/main" val="271257800"/>
+        <p14:creationId xmlns:p14="http://schemas.microsoft.com/office/powerpoint/2010/main" val="1114464730"/>
       </p:ext>
     </p:extLst>
   </p:cSld>
@@ -349,7 +349,7 @@
           <p:cNvPr id="2" name="标题 1">
             <a:extLst>
               <a:ext uri="{FF2B5EF4-FFF2-40B4-BE49-F238E27FC236}">
-                <a16:creationId xmlns:a16="http://schemas.microsoft.com/office/drawing/2014/main" id="{D0124638-F70B-4B2B-F312-8734C3CB6835}"/>
+                <a16:creationId xmlns:a16="http://schemas.microsoft.com/office/drawing/2014/main" id="{F4306E2C-6DEE-2553-F1E5-ACD24860AD30}"/>
               </a:ext>
             </a:extLst>
           </p:cNvPr>
@@ -377,7 +377,7 @@
           <p:cNvPr id="3" name="竖排文字占位符 2">
             <a:extLst>
               <a:ext uri="{FF2B5EF4-FFF2-40B4-BE49-F238E27FC236}">
-                <a16:creationId xmlns:a16="http://schemas.microsoft.com/office/drawing/2014/main" id="{2CC32E74-BBC5-CB3C-FEC1-E7C9ACC7BC58}"/>
+                <a16:creationId xmlns:a16="http://schemas.microsoft.com/office/drawing/2014/main" id="{A45FC527-0BF3-D19F-BDF7-B85AF07044E9}"/>
               </a:ext>
             </a:extLst>
           </p:cNvPr>
@@ -434,7 +434,7 @@
           <p:cNvPr id="4" name="日期占位符 3">
             <a:extLst>
               <a:ext uri="{FF2B5EF4-FFF2-40B4-BE49-F238E27FC236}">
-                <a16:creationId xmlns:a16="http://schemas.microsoft.com/office/drawing/2014/main" id="{F3DF8201-00F0-3811-F453-AC1B4C9490EB}"/>
+                <a16:creationId xmlns:a16="http://schemas.microsoft.com/office/drawing/2014/main" id="{EFA92E39-7A17-86DB-B321-70A809322BD1}"/>
               </a:ext>
             </a:extLst>
           </p:cNvPr>
@@ -450,7 +450,7 @@
           <a:bodyPr/>
           <a:lstStyle/>
           <a:p>
-            <a:fld id="{C0CA8F00-BFB6-4094-A54F-65A947A16C37}" type="datetimeFigureOut">
+            <a:fld id="{07EF49AE-BB04-49A1-8512-4C4C35FA6CD3}" type="datetimeFigureOut">
               <a:rPr lang="zh-CN" altLang="en-US" smtClean="0"/>
               <a:t>2024/3/10</a:t>
             </a:fld>
@@ -463,7 +463,7 @@
           <p:cNvPr id="5" name="页脚占位符 4">
             <a:extLst>
               <a:ext uri="{FF2B5EF4-FFF2-40B4-BE49-F238E27FC236}">
-                <a16:creationId xmlns:a16="http://schemas.microsoft.com/office/drawing/2014/main" id="{548A1837-8DA0-705F-5B5B-F7D7ECDACB0B}"/>
+                <a16:creationId xmlns:a16="http://schemas.microsoft.com/office/drawing/2014/main" id="{FE95E363-9D96-2DF0-C115-8E4E7C9DCD65}"/>
               </a:ext>
             </a:extLst>
           </p:cNvPr>
@@ -488,7 +488,7 @@
           <p:cNvPr id="6" name="灯片编号占位符 5">
             <a:extLst>
               <a:ext uri="{FF2B5EF4-FFF2-40B4-BE49-F238E27FC236}">
-                <a16:creationId xmlns:a16="http://schemas.microsoft.com/office/drawing/2014/main" id="{A376CFEE-8D02-26AD-D14C-F9BEED7693E2}"/>
+                <a16:creationId xmlns:a16="http://schemas.microsoft.com/office/drawing/2014/main" id="{4746AE75-695E-6907-8424-539CECCE4F8F}"/>
               </a:ext>
             </a:extLst>
           </p:cNvPr>
@@ -504,7 +504,7 @@
           <a:bodyPr/>
           <a:lstStyle/>
           <a:p>
-            <a:fld id="{07D9C0C8-F6C0-41E9-AD4D-14302F3371E3}" type="slidenum">
+            <a:fld id="{D4704666-067D-4999-A8C3-CE1C70975D4A}" type="slidenum">
               <a:rPr lang="zh-CN" altLang="en-US" smtClean="0"/>
               <a:t>‹#›</a:t>
             </a:fld>
@@ -515,7 +515,7 @@
     </p:spTree>
     <p:extLst>
       <p:ext uri="{BB962C8B-B14F-4D97-AF65-F5344CB8AC3E}">
-        <p14:creationId xmlns:p14="http://schemas.microsoft.com/office/powerpoint/2010/main" val="993046243"/>
+        <p14:creationId xmlns:p14="http://schemas.microsoft.com/office/powerpoint/2010/main" val="1729156169"/>
       </p:ext>
     </p:extLst>
   </p:cSld>
@@ -547,7 +547,7 @@
           <p:cNvPr id="2" name="竖排标题 1">
             <a:extLst>
               <a:ext uri="{FF2B5EF4-FFF2-40B4-BE49-F238E27FC236}">
-                <a16:creationId xmlns:a16="http://schemas.microsoft.com/office/drawing/2014/main" id="{05D78798-1E8D-0365-CE92-2863031D7E36}"/>
+                <a16:creationId xmlns:a16="http://schemas.microsoft.com/office/drawing/2014/main" id="{A846BA08-8F59-3739-3224-96713902A66E}"/>
               </a:ext>
             </a:extLst>
           </p:cNvPr>
@@ -580,7 +580,7 @@
           <p:cNvPr id="3" name="竖排文字占位符 2">
             <a:extLst>
               <a:ext uri="{FF2B5EF4-FFF2-40B4-BE49-F238E27FC236}">
-                <a16:creationId xmlns:a16="http://schemas.microsoft.com/office/drawing/2014/main" id="{A0D22D4F-975C-70A8-88C4-119D2F28D5E3}"/>
+                <a16:creationId xmlns:a16="http://schemas.microsoft.com/office/drawing/2014/main" id="{4B097FBC-27EB-C631-DD0A-E9C4CF3CCF04}"/>
               </a:ext>
             </a:extLst>
           </p:cNvPr>
@@ -642,7 +642,7 @@
           <p:cNvPr id="4" name="日期占位符 3">
             <a:extLst>
               <a:ext uri="{FF2B5EF4-FFF2-40B4-BE49-F238E27FC236}">
-                <a16:creationId xmlns:a16="http://schemas.microsoft.com/office/drawing/2014/main" id="{D95E42CE-647F-682A-B9FD-86CF87564E30}"/>
+                <a16:creationId xmlns:a16="http://schemas.microsoft.com/office/drawing/2014/main" id="{07D4A83F-FA4D-9643-9B2E-F7508E52F5E7}"/>
               </a:ext>
             </a:extLst>
           </p:cNvPr>
@@ -658,7 +658,7 @@
           <a:bodyPr/>
           <a:lstStyle/>
           <a:p>
-            <a:fld id="{C0CA8F00-BFB6-4094-A54F-65A947A16C37}" type="datetimeFigureOut">
+            <a:fld id="{07EF49AE-BB04-49A1-8512-4C4C35FA6CD3}" type="datetimeFigureOut">
               <a:rPr lang="zh-CN" altLang="en-US" smtClean="0"/>
               <a:t>2024/3/10</a:t>
             </a:fld>
@@ -671,7 +671,7 @@
           <p:cNvPr id="5" name="页脚占位符 4">
             <a:extLst>
               <a:ext uri="{FF2B5EF4-FFF2-40B4-BE49-F238E27FC236}">
-                <a16:creationId xmlns:a16="http://schemas.microsoft.com/office/drawing/2014/main" id="{287444C9-30C9-48B2-90A6-86A040BB8480}"/>
+                <a16:creationId xmlns:a16="http://schemas.microsoft.com/office/drawing/2014/main" id="{CDBA874A-62DB-9428-68A1-1BD4419064E9}"/>
               </a:ext>
             </a:extLst>
           </p:cNvPr>
@@ -696,7 +696,7 @@
           <p:cNvPr id="6" name="灯片编号占位符 5">
             <a:extLst>
               <a:ext uri="{FF2B5EF4-FFF2-40B4-BE49-F238E27FC236}">
-                <a16:creationId xmlns:a16="http://schemas.microsoft.com/office/drawing/2014/main" id="{95A23A4C-F4A2-6761-9F41-78B0741E9DA4}"/>
+                <a16:creationId xmlns:a16="http://schemas.microsoft.com/office/drawing/2014/main" id="{0E7E68C6-0FF9-D48B-9FAB-A605114B4FC1}"/>
               </a:ext>
             </a:extLst>
           </p:cNvPr>
@@ -712,7 +712,7 @@
           <a:bodyPr/>
           <a:lstStyle/>
           <a:p>
-            <a:fld id="{07D9C0C8-F6C0-41E9-AD4D-14302F3371E3}" type="slidenum">
+            <a:fld id="{D4704666-067D-4999-A8C3-CE1C70975D4A}" type="slidenum">
               <a:rPr lang="zh-CN" altLang="en-US" smtClean="0"/>
               <a:t>‹#›</a:t>
             </a:fld>
@@ -723,7 +723,7 @@
     </p:spTree>
     <p:extLst>
       <p:ext uri="{BB962C8B-B14F-4D97-AF65-F5344CB8AC3E}">
-        <p14:creationId xmlns:p14="http://schemas.microsoft.com/office/powerpoint/2010/main" val="1836465221"/>
+        <p14:creationId xmlns:p14="http://schemas.microsoft.com/office/powerpoint/2010/main" val="1661173125"/>
       </p:ext>
     </p:extLst>
   </p:cSld>
@@ -755,7 +755,7 @@
           <p:cNvPr id="2" name="标题 1">
             <a:extLst>
               <a:ext uri="{FF2B5EF4-FFF2-40B4-BE49-F238E27FC236}">
-                <a16:creationId xmlns:a16="http://schemas.microsoft.com/office/drawing/2014/main" id="{041328E4-3013-C8A0-9473-5DA93D2C83F2}"/>
+                <a16:creationId xmlns:a16="http://schemas.microsoft.com/office/drawing/2014/main" id="{7CF72241-3683-2840-BD21-BB14243139AF}"/>
               </a:ext>
             </a:extLst>
           </p:cNvPr>
@@ -783,7 +783,7 @@
           <p:cNvPr id="3" name="内容占位符 2">
             <a:extLst>
               <a:ext uri="{FF2B5EF4-FFF2-40B4-BE49-F238E27FC236}">
-                <a16:creationId xmlns:a16="http://schemas.microsoft.com/office/drawing/2014/main" id="{2CAF5115-93C7-EC70-3E65-EBCE719585AC}"/>
+                <a16:creationId xmlns:a16="http://schemas.microsoft.com/office/drawing/2014/main" id="{516EE3E7-D004-68AC-487A-A880CC2E3BA0}"/>
               </a:ext>
             </a:extLst>
           </p:cNvPr>
@@ -840,7 +840,7 @@
           <p:cNvPr id="4" name="日期占位符 3">
             <a:extLst>
               <a:ext uri="{FF2B5EF4-FFF2-40B4-BE49-F238E27FC236}">
-                <a16:creationId xmlns:a16="http://schemas.microsoft.com/office/drawing/2014/main" id="{55E5D7BA-8AC9-4CE9-55EB-7644A83CD2EB}"/>
+                <a16:creationId xmlns:a16="http://schemas.microsoft.com/office/drawing/2014/main" id="{F29C62DB-C13A-8BB1-B7B8-EC07C6DEACCF}"/>
               </a:ext>
             </a:extLst>
           </p:cNvPr>
@@ -856,7 +856,7 @@
           <a:bodyPr/>
           <a:lstStyle/>
           <a:p>
-            <a:fld id="{C0CA8F00-BFB6-4094-A54F-65A947A16C37}" type="datetimeFigureOut">
+            <a:fld id="{07EF49AE-BB04-49A1-8512-4C4C35FA6CD3}" type="datetimeFigureOut">
               <a:rPr lang="zh-CN" altLang="en-US" smtClean="0"/>
               <a:t>2024/3/10</a:t>
             </a:fld>
@@ -869,7 +869,7 @@
           <p:cNvPr id="5" name="页脚占位符 4">
             <a:extLst>
               <a:ext uri="{FF2B5EF4-FFF2-40B4-BE49-F238E27FC236}">
-                <a16:creationId xmlns:a16="http://schemas.microsoft.com/office/drawing/2014/main" id="{7F280F21-9AE0-FDF2-0456-0B0C912940C9}"/>
+                <a16:creationId xmlns:a16="http://schemas.microsoft.com/office/drawing/2014/main" id="{3650801C-D57D-8F90-E78B-8CF0AA260408}"/>
               </a:ext>
             </a:extLst>
           </p:cNvPr>
@@ -894,7 +894,7 @@
           <p:cNvPr id="6" name="灯片编号占位符 5">
             <a:extLst>
               <a:ext uri="{FF2B5EF4-FFF2-40B4-BE49-F238E27FC236}">
-                <a16:creationId xmlns:a16="http://schemas.microsoft.com/office/drawing/2014/main" id="{4FC3C1E5-3989-9132-3CC0-D88A9D59F2FF}"/>
+                <a16:creationId xmlns:a16="http://schemas.microsoft.com/office/drawing/2014/main" id="{53EDE8A5-5984-CEEF-D1C5-51174BF50220}"/>
               </a:ext>
             </a:extLst>
           </p:cNvPr>
@@ -910,7 +910,7 @@
           <a:bodyPr/>
           <a:lstStyle/>
           <a:p>
-            <a:fld id="{07D9C0C8-F6C0-41E9-AD4D-14302F3371E3}" type="slidenum">
+            <a:fld id="{D4704666-067D-4999-A8C3-CE1C70975D4A}" type="slidenum">
               <a:rPr lang="zh-CN" altLang="en-US" smtClean="0"/>
               <a:t>‹#›</a:t>
             </a:fld>
@@ -921,7 +921,7 @@
     </p:spTree>
     <p:extLst>
       <p:ext uri="{BB962C8B-B14F-4D97-AF65-F5344CB8AC3E}">
-        <p14:creationId xmlns:p14="http://schemas.microsoft.com/office/powerpoint/2010/main" val="2748031491"/>
+        <p14:creationId xmlns:p14="http://schemas.microsoft.com/office/powerpoint/2010/main" val="2914569084"/>
       </p:ext>
     </p:extLst>
   </p:cSld>
@@ -953,7 +953,7 @@
           <p:cNvPr id="2" name="标题 1">
             <a:extLst>
               <a:ext uri="{FF2B5EF4-FFF2-40B4-BE49-F238E27FC236}">
-                <a16:creationId xmlns:a16="http://schemas.microsoft.com/office/drawing/2014/main" id="{F19F0768-BD21-7157-C252-7872AEA84BF2}"/>
+                <a16:creationId xmlns:a16="http://schemas.microsoft.com/office/drawing/2014/main" id="{BB89C2F0-4954-E887-73A0-CF828A397A00}"/>
               </a:ext>
             </a:extLst>
           </p:cNvPr>
@@ -990,7 +990,7 @@
           <p:cNvPr id="3" name="文本占位符 2">
             <a:extLst>
               <a:ext uri="{FF2B5EF4-FFF2-40B4-BE49-F238E27FC236}">
-                <a16:creationId xmlns:a16="http://schemas.microsoft.com/office/drawing/2014/main" id="{AB84622E-40DB-197B-F2CD-705543CADF59}"/>
+                <a16:creationId xmlns:a16="http://schemas.microsoft.com/office/drawing/2014/main" id="{5CA3CC24-7C3F-076E-63AB-F12348C017DD}"/>
               </a:ext>
             </a:extLst>
           </p:cNvPr>
@@ -1115,7 +1115,7 @@
           <p:cNvPr id="4" name="日期占位符 3">
             <a:extLst>
               <a:ext uri="{FF2B5EF4-FFF2-40B4-BE49-F238E27FC236}">
-                <a16:creationId xmlns:a16="http://schemas.microsoft.com/office/drawing/2014/main" id="{6C6A92B3-7876-CE8D-DF84-037708612ABE}"/>
+                <a16:creationId xmlns:a16="http://schemas.microsoft.com/office/drawing/2014/main" id="{03987957-80D4-169E-7FB0-3DE4B559CC09}"/>
               </a:ext>
             </a:extLst>
           </p:cNvPr>
@@ -1131,7 +1131,7 @@
           <a:bodyPr/>
           <a:lstStyle/>
           <a:p>
-            <a:fld id="{C0CA8F00-BFB6-4094-A54F-65A947A16C37}" type="datetimeFigureOut">
+            <a:fld id="{07EF49AE-BB04-49A1-8512-4C4C35FA6CD3}" type="datetimeFigureOut">
               <a:rPr lang="zh-CN" altLang="en-US" smtClean="0"/>
               <a:t>2024/3/10</a:t>
             </a:fld>
@@ -1144,7 +1144,7 @@
           <p:cNvPr id="5" name="页脚占位符 4">
             <a:extLst>
               <a:ext uri="{FF2B5EF4-FFF2-40B4-BE49-F238E27FC236}">
-                <a16:creationId xmlns:a16="http://schemas.microsoft.com/office/drawing/2014/main" id="{4D7B130F-8990-B433-DCF6-758367A980B1}"/>
+                <a16:creationId xmlns:a16="http://schemas.microsoft.com/office/drawing/2014/main" id="{4F32F9FD-4C40-E4B5-A747-4CBDF5DC38E6}"/>
               </a:ext>
             </a:extLst>
           </p:cNvPr>
@@ -1169,7 +1169,7 @@
           <p:cNvPr id="6" name="灯片编号占位符 5">
             <a:extLst>
               <a:ext uri="{FF2B5EF4-FFF2-40B4-BE49-F238E27FC236}">
-                <a16:creationId xmlns:a16="http://schemas.microsoft.com/office/drawing/2014/main" id="{79F224DE-DF69-4E09-EFB6-155142CEB10B}"/>
+                <a16:creationId xmlns:a16="http://schemas.microsoft.com/office/drawing/2014/main" id="{2EB9D155-268F-8719-C627-A8A3F9B90A2A}"/>
               </a:ext>
             </a:extLst>
           </p:cNvPr>
@@ -1185,7 +1185,7 @@
           <a:bodyPr/>
           <a:lstStyle/>
           <a:p>
-            <a:fld id="{07D9C0C8-F6C0-41E9-AD4D-14302F3371E3}" type="slidenum">
+            <a:fld id="{D4704666-067D-4999-A8C3-CE1C70975D4A}" type="slidenum">
               <a:rPr lang="zh-CN" altLang="en-US" smtClean="0"/>
               <a:t>‹#›</a:t>
             </a:fld>
@@ -1196,7 +1196,7 @@
     </p:spTree>
     <p:extLst>
       <p:ext uri="{BB962C8B-B14F-4D97-AF65-F5344CB8AC3E}">
-        <p14:creationId xmlns:p14="http://schemas.microsoft.com/office/powerpoint/2010/main" val="2546611536"/>
+        <p14:creationId xmlns:p14="http://schemas.microsoft.com/office/powerpoint/2010/main" val="1556340565"/>
       </p:ext>
     </p:extLst>
   </p:cSld>
@@ -1228,7 +1228,7 @@
           <p:cNvPr id="2" name="标题 1">
             <a:extLst>
               <a:ext uri="{FF2B5EF4-FFF2-40B4-BE49-F238E27FC236}">
-                <a16:creationId xmlns:a16="http://schemas.microsoft.com/office/drawing/2014/main" id="{4BB4B09E-514B-BEA1-F4EB-8F1148D7ABCF}"/>
+                <a16:creationId xmlns:a16="http://schemas.microsoft.com/office/drawing/2014/main" id="{ED5DAD1B-B172-3FAA-2C1E-CA60FF2AF608}"/>
               </a:ext>
             </a:extLst>
           </p:cNvPr>
@@ -1256,7 +1256,7 @@
           <p:cNvPr id="3" name="内容占位符 2">
             <a:extLst>
               <a:ext uri="{FF2B5EF4-FFF2-40B4-BE49-F238E27FC236}">
-                <a16:creationId xmlns:a16="http://schemas.microsoft.com/office/drawing/2014/main" id="{968A5B75-814D-36B1-619C-1D2AC416A024}"/>
+                <a16:creationId xmlns:a16="http://schemas.microsoft.com/office/drawing/2014/main" id="{C4D9A9C7-25FA-B93A-AC35-91B1F454143F}"/>
               </a:ext>
             </a:extLst>
           </p:cNvPr>
@@ -1318,7 +1318,7 @@
           <p:cNvPr id="4" name="内容占位符 3">
             <a:extLst>
               <a:ext uri="{FF2B5EF4-FFF2-40B4-BE49-F238E27FC236}">
-                <a16:creationId xmlns:a16="http://schemas.microsoft.com/office/drawing/2014/main" id="{986F4596-B437-7CC5-416D-F2F7A0B2C5F9}"/>
+                <a16:creationId xmlns:a16="http://schemas.microsoft.com/office/drawing/2014/main" id="{01D72E59-B539-9498-180F-1AB0ED7B38E5}"/>
               </a:ext>
             </a:extLst>
           </p:cNvPr>
@@ -1380,7 +1380,7 @@
           <p:cNvPr id="5" name="日期占位符 4">
             <a:extLst>
               <a:ext uri="{FF2B5EF4-FFF2-40B4-BE49-F238E27FC236}">
-                <a16:creationId xmlns:a16="http://schemas.microsoft.com/office/drawing/2014/main" id="{0C8E6069-311F-B81C-D3CC-F822F5F30621}"/>
+                <a16:creationId xmlns:a16="http://schemas.microsoft.com/office/drawing/2014/main" id="{F70592A5-1F4D-4576-CD36-F639442EB3B2}"/>
               </a:ext>
             </a:extLst>
           </p:cNvPr>
@@ -1396,7 +1396,7 @@
           <a:bodyPr/>
           <a:lstStyle/>
           <a:p>
-            <a:fld id="{C0CA8F00-BFB6-4094-A54F-65A947A16C37}" type="datetimeFigureOut">
+            <a:fld id="{07EF49AE-BB04-49A1-8512-4C4C35FA6CD3}" type="datetimeFigureOut">
               <a:rPr lang="zh-CN" altLang="en-US" smtClean="0"/>
               <a:t>2024/3/10</a:t>
             </a:fld>
@@ -1409,7 +1409,7 @@
           <p:cNvPr id="6" name="页脚占位符 5">
             <a:extLst>
               <a:ext uri="{FF2B5EF4-FFF2-40B4-BE49-F238E27FC236}">
-                <a16:creationId xmlns:a16="http://schemas.microsoft.com/office/drawing/2014/main" id="{34811AF6-87CE-A4E9-948F-0B7D43340DD9}"/>
+                <a16:creationId xmlns:a16="http://schemas.microsoft.com/office/drawing/2014/main" id="{29448123-A3BD-3B97-2EC8-AE735F91735E}"/>
               </a:ext>
             </a:extLst>
           </p:cNvPr>
@@ -1434,7 +1434,7 @@
           <p:cNvPr id="7" name="灯片编号占位符 6">
             <a:extLst>
               <a:ext uri="{FF2B5EF4-FFF2-40B4-BE49-F238E27FC236}">
-                <a16:creationId xmlns:a16="http://schemas.microsoft.com/office/drawing/2014/main" id="{8CB5BC57-8DF6-A9FA-F183-99A59281A3CD}"/>
+                <a16:creationId xmlns:a16="http://schemas.microsoft.com/office/drawing/2014/main" id="{C35B345D-CC0A-E1DC-2A51-75B84DDF547A}"/>
               </a:ext>
             </a:extLst>
           </p:cNvPr>
@@ -1450,7 +1450,7 @@
           <a:bodyPr/>
           <a:lstStyle/>
           <a:p>
-            <a:fld id="{07D9C0C8-F6C0-41E9-AD4D-14302F3371E3}" type="slidenum">
+            <a:fld id="{D4704666-067D-4999-A8C3-CE1C70975D4A}" type="slidenum">
               <a:rPr lang="zh-CN" altLang="en-US" smtClean="0"/>
               <a:t>‹#›</a:t>
             </a:fld>
@@ -1461,7 +1461,7 @@
     </p:spTree>
     <p:extLst>
       <p:ext uri="{BB962C8B-B14F-4D97-AF65-F5344CB8AC3E}">
-        <p14:creationId xmlns:p14="http://schemas.microsoft.com/office/powerpoint/2010/main" val="722965798"/>
+        <p14:creationId xmlns:p14="http://schemas.microsoft.com/office/powerpoint/2010/main" val="3732748162"/>
       </p:ext>
     </p:extLst>
   </p:cSld>
@@ -1493,7 +1493,7 @@
           <p:cNvPr id="2" name="标题 1">
             <a:extLst>
               <a:ext uri="{FF2B5EF4-FFF2-40B4-BE49-F238E27FC236}">
-                <a16:creationId xmlns:a16="http://schemas.microsoft.com/office/drawing/2014/main" id="{8C31158F-AC6B-3271-AA73-AA0E462C7840}"/>
+                <a16:creationId xmlns:a16="http://schemas.microsoft.com/office/drawing/2014/main" id="{AE01783F-29F2-BAA8-DE1E-8EF59D03210A}"/>
               </a:ext>
             </a:extLst>
           </p:cNvPr>
@@ -1526,7 +1526,7 @@
           <p:cNvPr id="3" name="文本占位符 2">
             <a:extLst>
               <a:ext uri="{FF2B5EF4-FFF2-40B4-BE49-F238E27FC236}">
-                <a16:creationId xmlns:a16="http://schemas.microsoft.com/office/drawing/2014/main" id="{E21B0E58-C920-F35A-F2E3-C0AB9E7BEDC8}"/>
+                <a16:creationId xmlns:a16="http://schemas.microsoft.com/office/drawing/2014/main" id="{E5F3D9F6-97E9-F623-6486-60E640F13199}"/>
               </a:ext>
             </a:extLst>
           </p:cNvPr>
@@ -1597,7 +1597,7 @@
           <p:cNvPr id="4" name="内容占位符 3">
             <a:extLst>
               <a:ext uri="{FF2B5EF4-FFF2-40B4-BE49-F238E27FC236}">
-                <a16:creationId xmlns:a16="http://schemas.microsoft.com/office/drawing/2014/main" id="{C0332B68-ECDE-751F-2ADD-EF4A3681B1AF}"/>
+                <a16:creationId xmlns:a16="http://schemas.microsoft.com/office/drawing/2014/main" id="{3B463196-BCFC-24D7-06E3-FBDC2155C736}"/>
               </a:ext>
             </a:extLst>
           </p:cNvPr>
@@ -1659,7 +1659,7 @@
           <p:cNvPr id="5" name="文本占位符 4">
             <a:extLst>
               <a:ext uri="{FF2B5EF4-FFF2-40B4-BE49-F238E27FC236}">
-                <a16:creationId xmlns:a16="http://schemas.microsoft.com/office/drawing/2014/main" id="{94CCDB6F-1B3B-0AA9-DC1C-3D3EDDD45F9C}"/>
+                <a16:creationId xmlns:a16="http://schemas.microsoft.com/office/drawing/2014/main" id="{71EBC787-9CF2-973F-1B3E-D2719B141320}"/>
               </a:ext>
             </a:extLst>
           </p:cNvPr>
@@ -1730,7 +1730,7 @@
           <p:cNvPr id="6" name="内容占位符 5">
             <a:extLst>
               <a:ext uri="{FF2B5EF4-FFF2-40B4-BE49-F238E27FC236}">
-                <a16:creationId xmlns:a16="http://schemas.microsoft.com/office/drawing/2014/main" id="{98FF9A59-4533-F20E-4C15-197CE836CF8E}"/>
+                <a16:creationId xmlns:a16="http://schemas.microsoft.com/office/drawing/2014/main" id="{01D9DFA5-72CC-4FC2-5D78-E93B1D598FF5}"/>
               </a:ext>
             </a:extLst>
           </p:cNvPr>
@@ -1792,7 +1792,7 @@
           <p:cNvPr id="7" name="日期占位符 6">
             <a:extLst>
               <a:ext uri="{FF2B5EF4-FFF2-40B4-BE49-F238E27FC236}">
-                <a16:creationId xmlns:a16="http://schemas.microsoft.com/office/drawing/2014/main" id="{90078071-3A09-C908-7EEF-72934CF96EA8}"/>
+                <a16:creationId xmlns:a16="http://schemas.microsoft.com/office/drawing/2014/main" id="{04BF321D-709B-CE4D-CD82-393FE10C904E}"/>
               </a:ext>
             </a:extLst>
           </p:cNvPr>
@@ -1808,7 +1808,7 @@
           <a:bodyPr/>
           <a:lstStyle/>
           <a:p>
-            <a:fld id="{C0CA8F00-BFB6-4094-A54F-65A947A16C37}" type="datetimeFigureOut">
+            <a:fld id="{07EF49AE-BB04-49A1-8512-4C4C35FA6CD3}" type="datetimeFigureOut">
               <a:rPr lang="zh-CN" altLang="en-US" smtClean="0"/>
               <a:t>2024/3/10</a:t>
             </a:fld>
@@ -1821,7 +1821,7 @@
           <p:cNvPr id="8" name="页脚占位符 7">
             <a:extLst>
               <a:ext uri="{FF2B5EF4-FFF2-40B4-BE49-F238E27FC236}">
-                <a16:creationId xmlns:a16="http://schemas.microsoft.com/office/drawing/2014/main" id="{B33D91E0-4E1A-09A9-756C-982CE43A857A}"/>
+                <a16:creationId xmlns:a16="http://schemas.microsoft.com/office/drawing/2014/main" id="{A50EF394-5A3A-6A9C-70AA-557E022DD13C}"/>
               </a:ext>
             </a:extLst>
           </p:cNvPr>
@@ -1846,7 +1846,7 @@
           <p:cNvPr id="9" name="灯片编号占位符 8">
             <a:extLst>
               <a:ext uri="{FF2B5EF4-FFF2-40B4-BE49-F238E27FC236}">
-                <a16:creationId xmlns:a16="http://schemas.microsoft.com/office/drawing/2014/main" id="{205AC1FB-2023-1233-2A35-0BC8B36E3AF8}"/>
+                <a16:creationId xmlns:a16="http://schemas.microsoft.com/office/drawing/2014/main" id="{C57D3915-7B51-5D00-1423-9582534638AF}"/>
               </a:ext>
             </a:extLst>
           </p:cNvPr>
@@ -1862,7 +1862,7 @@
           <a:bodyPr/>
           <a:lstStyle/>
           <a:p>
-            <a:fld id="{07D9C0C8-F6C0-41E9-AD4D-14302F3371E3}" type="slidenum">
+            <a:fld id="{D4704666-067D-4999-A8C3-CE1C70975D4A}" type="slidenum">
               <a:rPr lang="zh-CN" altLang="en-US" smtClean="0"/>
               <a:t>‹#›</a:t>
             </a:fld>
@@ -1873,7 +1873,7 @@
     </p:spTree>
     <p:extLst>
       <p:ext uri="{BB962C8B-B14F-4D97-AF65-F5344CB8AC3E}">
-        <p14:creationId xmlns:p14="http://schemas.microsoft.com/office/powerpoint/2010/main" val="1761644976"/>
+        <p14:creationId xmlns:p14="http://schemas.microsoft.com/office/powerpoint/2010/main" val="3963036371"/>
       </p:ext>
     </p:extLst>
   </p:cSld>
@@ -1905,7 +1905,7 @@
           <p:cNvPr id="2" name="标题 1">
             <a:extLst>
               <a:ext uri="{FF2B5EF4-FFF2-40B4-BE49-F238E27FC236}">
-                <a16:creationId xmlns:a16="http://schemas.microsoft.com/office/drawing/2014/main" id="{14ED93B6-9E57-4C17-2BB7-D2BBF30CAA3F}"/>
+                <a16:creationId xmlns:a16="http://schemas.microsoft.com/office/drawing/2014/main" id="{980AD547-48E1-B572-895E-1DA37E77ED40}"/>
               </a:ext>
             </a:extLst>
           </p:cNvPr>
@@ -1933,7 +1933,7 @@
           <p:cNvPr id="3" name="日期占位符 2">
             <a:extLst>
               <a:ext uri="{FF2B5EF4-FFF2-40B4-BE49-F238E27FC236}">
-                <a16:creationId xmlns:a16="http://schemas.microsoft.com/office/drawing/2014/main" id="{BCBBC633-12CE-2879-8755-A0CDC2A45AFF}"/>
+                <a16:creationId xmlns:a16="http://schemas.microsoft.com/office/drawing/2014/main" id="{D257B4A7-CB8D-86CE-06D3-8377B50AFF9B}"/>
               </a:ext>
             </a:extLst>
           </p:cNvPr>
@@ -1949,7 +1949,7 @@
           <a:bodyPr/>
           <a:lstStyle/>
           <a:p>
-            <a:fld id="{C0CA8F00-BFB6-4094-A54F-65A947A16C37}" type="datetimeFigureOut">
+            <a:fld id="{07EF49AE-BB04-49A1-8512-4C4C35FA6CD3}" type="datetimeFigureOut">
               <a:rPr lang="zh-CN" altLang="en-US" smtClean="0"/>
               <a:t>2024/3/10</a:t>
             </a:fld>
@@ -1962,7 +1962,7 @@
           <p:cNvPr id="4" name="页脚占位符 3">
             <a:extLst>
               <a:ext uri="{FF2B5EF4-FFF2-40B4-BE49-F238E27FC236}">
-                <a16:creationId xmlns:a16="http://schemas.microsoft.com/office/drawing/2014/main" id="{3011CD6A-2AA0-8B6E-136D-1C98733E369F}"/>
+                <a16:creationId xmlns:a16="http://schemas.microsoft.com/office/drawing/2014/main" id="{D11F60D2-6C91-41DF-24A8-15AEDDCC95FF}"/>
               </a:ext>
             </a:extLst>
           </p:cNvPr>
@@ -1987,7 +1987,7 @@
           <p:cNvPr id="5" name="灯片编号占位符 4">
             <a:extLst>
               <a:ext uri="{FF2B5EF4-FFF2-40B4-BE49-F238E27FC236}">
-                <a16:creationId xmlns:a16="http://schemas.microsoft.com/office/drawing/2014/main" id="{42D15125-6180-AE5B-3FC0-288D0F995458}"/>
+                <a16:creationId xmlns:a16="http://schemas.microsoft.com/office/drawing/2014/main" id="{E3B48018-EAE2-51D2-1B4B-0410B14CAC89}"/>
               </a:ext>
             </a:extLst>
           </p:cNvPr>
@@ -2003,7 +2003,7 @@
           <a:bodyPr/>
           <a:lstStyle/>
           <a:p>
-            <a:fld id="{07D9C0C8-F6C0-41E9-AD4D-14302F3371E3}" type="slidenum">
+            <a:fld id="{D4704666-067D-4999-A8C3-CE1C70975D4A}" type="slidenum">
               <a:rPr lang="zh-CN" altLang="en-US" smtClean="0"/>
               <a:t>‹#›</a:t>
             </a:fld>
@@ -2014,7 +2014,7 @@
     </p:spTree>
     <p:extLst>
       <p:ext uri="{BB962C8B-B14F-4D97-AF65-F5344CB8AC3E}">
-        <p14:creationId xmlns:p14="http://schemas.microsoft.com/office/powerpoint/2010/main" val="4258733697"/>
+        <p14:creationId xmlns:p14="http://schemas.microsoft.com/office/powerpoint/2010/main" val="2275136016"/>
       </p:ext>
     </p:extLst>
   </p:cSld>
@@ -2046,7 +2046,7 @@
           <p:cNvPr id="2" name="日期占位符 1">
             <a:extLst>
               <a:ext uri="{FF2B5EF4-FFF2-40B4-BE49-F238E27FC236}">
-                <a16:creationId xmlns:a16="http://schemas.microsoft.com/office/drawing/2014/main" id="{0F9D8E85-113C-53B9-3706-D48EA85B96F8}"/>
+                <a16:creationId xmlns:a16="http://schemas.microsoft.com/office/drawing/2014/main" id="{CA4AA4D7-8892-1883-DBEF-26C294612201}"/>
               </a:ext>
             </a:extLst>
           </p:cNvPr>
@@ -2062,7 +2062,7 @@
           <a:bodyPr/>
           <a:lstStyle/>
           <a:p>
-            <a:fld id="{C0CA8F00-BFB6-4094-A54F-65A947A16C37}" type="datetimeFigureOut">
+            <a:fld id="{07EF49AE-BB04-49A1-8512-4C4C35FA6CD3}" type="datetimeFigureOut">
               <a:rPr lang="zh-CN" altLang="en-US" smtClean="0"/>
               <a:t>2024/3/10</a:t>
             </a:fld>
@@ -2075,7 +2075,7 @@
           <p:cNvPr id="3" name="页脚占位符 2">
             <a:extLst>
               <a:ext uri="{FF2B5EF4-FFF2-40B4-BE49-F238E27FC236}">
-                <a16:creationId xmlns:a16="http://schemas.microsoft.com/office/drawing/2014/main" id="{B8388A15-E4B1-66E5-6C01-3370CA8AD3A2}"/>
+                <a16:creationId xmlns:a16="http://schemas.microsoft.com/office/drawing/2014/main" id="{528234C3-FF5F-CAD5-90C0-DE0D388C6D2D}"/>
               </a:ext>
             </a:extLst>
           </p:cNvPr>
@@ -2100,7 +2100,7 @@
           <p:cNvPr id="4" name="灯片编号占位符 3">
             <a:extLst>
               <a:ext uri="{FF2B5EF4-FFF2-40B4-BE49-F238E27FC236}">
-                <a16:creationId xmlns:a16="http://schemas.microsoft.com/office/drawing/2014/main" id="{6FB8A37E-379A-32AC-DCB7-4B0251FED12F}"/>
+                <a16:creationId xmlns:a16="http://schemas.microsoft.com/office/drawing/2014/main" id="{D3B08B2F-FF90-AA83-49E7-204014D90004}"/>
               </a:ext>
             </a:extLst>
           </p:cNvPr>
@@ -2116,7 +2116,7 @@
           <a:bodyPr/>
           <a:lstStyle/>
           <a:p>
-            <a:fld id="{07D9C0C8-F6C0-41E9-AD4D-14302F3371E3}" type="slidenum">
+            <a:fld id="{D4704666-067D-4999-A8C3-CE1C70975D4A}" type="slidenum">
               <a:rPr lang="zh-CN" altLang="en-US" smtClean="0"/>
               <a:t>‹#›</a:t>
             </a:fld>
@@ -2127,7 +2127,7 @@
     </p:spTree>
     <p:extLst>
       <p:ext uri="{BB962C8B-B14F-4D97-AF65-F5344CB8AC3E}">
-        <p14:creationId xmlns:p14="http://schemas.microsoft.com/office/powerpoint/2010/main" val="735793397"/>
+        <p14:creationId xmlns:p14="http://schemas.microsoft.com/office/powerpoint/2010/main" val="2424537952"/>
       </p:ext>
     </p:extLst>
   </p:cSld>
@@ -2159,7 +2159,7 @@
           <p:cNvPr id="2" name="标题 1">
             <a:extLst>
               <a:ext uri="{FF2B5EF4-FFF2-40B4-BE49-F238E27FC236}">
-                <a16:creationId xmlns:a16="http://schemas.microsoft.com/office/drawing/2014/main" id="{6E39CF40-FD7E-8109-8CCE-3C4E92312FAD}"/>
+                <a16:creationId xmlns:a16="http://schemas.microsoft.com/office/drawing/2014/main" id="{0372EA6B-F7FA-5F47-89E2-972987F10D5B}"/>
               </a:ext>
             </a:extLst>
           </p:cNvPr>
@@ -2196,7 +2196,7 @@
           <p:cNvPr id="3" name="内容占位符 2">
             <a:extLst>
               <a:ext uri="{FF2B5EF4-FFF2-40B4-BE49-F238E27FC236}">
-                <a16:creationId xmlns:a16="http://schemas.microsoft.com/office/drawing/2014/main" id="{B382D676-7B3B-FDE8-E5FE-C4613B8DD7E4}"/>
+                <a16:creationId xmlns:a16="http://schemas.microsoft.com/office/drawing/2014/main" id="{14064FE2-A03C-5198-1595-421506A66A81}"/>
               </a:ext>
             </a:extLst>
           </p:cNvPr>
@@ -2286,7 +2286,7 @@
           <p:cNvPr id="4" name="文本占位符 3">
             <a:extLst>
               <a:ext uri="{FF2B5EF4-FFF2-40B4-BE49-F238E27FC236}">
-                <a16:creationId xmlns:a16="http://schemas.microsoft.com/office/drawing/2014/main" id="{9AA8B14F-D432-03D7-4D56-019B6A56AEA9}"/>
+                <a16:creationId xmlns:a16="http://schemas.microsoft.com/office/drawing/2014/main" id="{B12F0997-D63A-BE89-01C6-1C8870392540}"/>
               </a:ext>
             </a:extLst>
           </p:cNvPr>
@@ -2357,7 +2357,7 @@
           <p:cNvPr id="5" name="日期占位符 4">
             <a:extLst>
               <a:ext uri="{FF2B5EF4-FFF2-40B4-BE49-F238E27FC236}">
-                <a16:creationId xmlns:a16="http://schemas.microsoft.com/office/drawing/2014/main" id="{F13DF73D-E440-85BC-9591-1B78F113C710}"/>
+                <a16:creationId xmlns:a16="http://schemas.microsoft.com/office/drawing/2014/main" id="{A93EB73D-F5F4-EF29-D2E3-FA2C41C49C03}"/>
               </a:ext>
             </a:extLst>
           </p:cNvPr>
@@ -2373,7 +2373,7 @@
           <a:bodyPr/>
           <a:lstStyle/>
           <a:p>
-            <a:fld id="{C0CA8F00-BFB6-4094-A54F-65A947A16C37}" type="datetimeFigureOut">
+            <a:fld id="{07EF49AE-BB04-49A1-8512-4C4C35FA6CD3}" type="datetimeFigureOut">
               <a:rPr lang="zh-CN" altLang="en-US" smtClean="0"/>
               <a:t>2024/3/10</a:t>
             </a:fld>
@@ -2386,7 +2386,7 @@
           <p:cNvPr id="6" name="页脚占位符 5">
             <a:extLst>
               <a:ext uri="{FF2B5EF4-FFF2-40B4-BE49-F238E27FC236}">
-                <a16:creationId xmlns:a16="http://schemas.microsoft.com/office/drawing/2014/main" id="{B90B717D-1790-578C-484B-EA9E541DAC9D}"/>
+                <a16:creationId xmlns:a16="http://schemas.microsoft.com/office/drawing/2014/main" id="{298B75C2-5008-6EA6-5C16-F96FE88AA198}"/>
               </a:ext>
             </a:extLst>
           </p:cNvPr>
@@ -2411,7 +2411,7 @@
           <p:cNvPr id="7" name="灯片编号占位符 6">
             <a:extLst>
               <a:ext uri="{FF2B5EF4-FFF2-40B4-BE49-F238E27FC236}">
-                <a16:creationId xmlns:a16="http://schemas.microsoft.com/office/drawing/2014/main" id="{68C47380-97DC-3AAA-F5F5-8602B5F7111E}"/>
+                <a16:creationId xmlns:a16="http://schemas.microsoft.com/office/drawing/2014/main" id="{B47FCE4C-277B-BC68-5E71-B87728306DAE}"/>
               </a:ext>
             </a:extLst>
           </p:cNvPr>
@@ -2427,7 +2427,7 @@
           <a:bodyPr/>
           <a:lstStyle/>
           <a:p>
-            <a:fld id="{07D9C0C8-F6C0-41E9-AD4D-14302F3371E3}" type="slidenum">
+            <a:fld id="{D4704666-067D-4999-A8C3-CE1C70975D4A}" type="slidenum">
               <a:rPr lang="zh-CN" altLang="en-US" smtClean="0"/>
               <a:t>‹#›</a:t>
             </a:fld>
@@ -2438,7 +2438,7 @@
     </p:spTree>
     <p:extLst>
       <p:ext uri="{BB962C8B-B14F-4D97-AF65-F5344CB8AC3E}">
-        <p14:creationId xmlns:p14="http://schemas.microsoft.com/office/powerpoint/2010/main" val="1858976535"/>
+        <p14:creationId xmlns:p14="http://schemas.microsoft.com/office/powerpoint/2010/main" val="3685491189"/>
       </p:ext>
     </p:extLst>
   </p:cSld>
@@ -2470,7 +2470,7 @@
           <p:cNvPr id="2" name="标题 1">
             <a:extLst>
               <a:ext uri="{FF2B5EF4-FFF2-40B4-BE49-F238E27FC236}">
-                <a16:creationId xmlns:a16="http://schemas.microsoft.com/office/drawing/2014/main" id="{47105994-92E5-4EE8-222F-148BD5DC2E15}"/>
+                <a16:creationId xmlns:a16="http://schemas.microsoft.com/office/drawing/2014/main" id="{BB96A582-8406-8299-7A27-1FF4E782B237}"/>
               </a:ext>
             </a:extLst>
           </p:cNvPr>
@@ -2507,7 +2507,7 @@
           <p:cNvPr id="3" name="图片占位符 2">
             <a:extLst>
               <a:ext uri="{FF2B5EF4-FFF2-40B4-BE49-F238E27FC236}">
-                <a16:creationId xmlns:a16="http://schemas.microsoft.com/office/drawing/2014/main" id="{3D4008BC-67CC-ADF3-E931-3F958D32DE3B}"/>
+                <a16:creationId xmlns:a16="http://schemas.microsoft.com/office/drawing/2014/main" id="{62D03006-9053-D7C6-A966-52325D1BF3AA}"/>
               </a:ext>
             </a:extLst>
           </p:cNvPr>
@@ -2574,7 +2574,7 @@
           <p:cNvPr id="4" name="文本占位符 3">
             <a:extLst>
               <a:ext uri="{FF2B5EF4-FFF2-40B4-BE49-F238E27FC236}">
-                <a16:creationId xmlns:a16="http://schemas.microsoft.com/office/drawing/2014/main" id="{A5380A4C-4A5B-7311-21F4-D3851A2FAB70}"/>
+                <a16:creationId xmlns:a16="http://schemas.microsoft.com/office/drawing/2014/main" id="{D1659A79-855C-DF03-D67D-521D10D57E4A}"/>
               </a:ext>
             </a:extLst>
           </p:cNvPr>
@@ -2645,7 +2645,7 @@
           <p:cNvPr id="5" name="日期占位符 4">
             <a:extLst>
               <a:ext uri="{FF2B5EF4-FFF2-40B4-BE49-F238E27FC236}">
-                <a16:creationId xmlns:a16="http://schemas.microsoft.com/office/drawing/2014/main" id="{491A2F69-486B-5312-6246-8B135FB8102A}"/>
+                <a16:creationId xmlns:a16="http://schemas.microsoft.com/office/drawing/2014/main" id="{57F4C3D1-249A-22D3-CA36-5333245E5A6B}"/>
               </a:ext>
             </a:extLst>
           </p:cNvPr>
@@ -2661,7 +2661,7 @@
           <a:bodyPr/>
           <a:lstStyle/>
           <a:p>
-            <a:fld id="{C0CA8F00-BFB6-4094-A54F-65A947A16C37}" type="datetimeFigureOut">
+            <a:fld id="{07EF49AE-BB04-49A1-8512-4C4C35FA6CD3}" type="datetimeFigureOut">
               <a:rPr lang="zh-CN" altLang="en-US" smtClean="0"/>
               <a:t>2024/3/10</a:t>
             </a:fld>
@@ -2674,7 +2674,7 @@
           <p:cNvPr id="6" name="页脚占位符 5">
             <a:extLst>
               <a:ext uri="{FF2B5EF4-FFF2-40B4-BE49-F238E27FC236}">
-                <a16:creationId xmlns:a16="http://schemas.microsoft.com/office/drawing/2014/main" id="{3E04DE38-C53B-FC90-F8C2-89747B2CF5A2}"/>
+                <a16:creationId xmlns:a16="http://schemas.microsoft.com/office/drawing/2014/main" id="{85D85565-F332-5598-8DCA-3F60C7B8AEAA}"/>
               </a:ext>
             </a:extLst>
           </p:cNvPr>
@@ -2699,7 +2699,7 @@
           <p:cNvPr id="7" name="灯片编号占位符 6">
             <a:extLst>
               <a:ext uri="{FF2B5EF4-FFF2-40B4-BE49-F238E27FC236}">
-                <a16:creationId xmlns:a16="http://schemas.microsoft.com/office/drawing/2014/main" id="{22B6038B-C141-BF81-F4D4-C5AA7A21B9DD}"/>
+                <a16:creationId xmlns:a16="http://schemas.microsoft.com/office/drawing/2014/main" id="{6AB1E539-6573-7F77-6382-21E8B1946011}"/>
               </a:ext>
             </a:extLst>
           </p:cNvPr>
@@ -2715,7 +2715,7 @@
           <a:bodyPr/>
           <a:lstStyle/>
           <a:p>
-            <a:fld id="{07D9C0C8-F6C0-41E9-AD4D-14302F3371E3}" type="slidenum">
+            <a:fld id="{D4704666-067D-4999-A8C3-CE1C70975D4A}" type="slidenum">
               <a:rPr lang="zh-CN" altLang="en-US" smtClean="0"/>
               <a:t>‹#›</a:t>
             </a:fld>
@@ -2726,7 +2726,7 @@
     </p:spTree>
     <p:extLst>
       <p:ext uri="{BB962C8B-B14F-4D97-AF65-F5344CB8AC3E}">
-        <p14:creationId xmlns:p14="http://schemas.microsoft.com/office/powerpoint/2010/main" val="2488932706"/>
+        <p14:creationId xmlns:p14="http://schemas.microsoft.com/office/powerpoint/2010/main" val="3903314563"/>
       </p:ext>
     </p:extLst>
   </p:cSld>
@@ -2763,7 +2763,7 @@
           <p:cNvPr id="2" name="标题占位符 1">
             <a:extLst>
               <a:ext uri="{FF2B5EF4-FFF2-40B4-BE49-F238E27FC236}">
-                <a16:creationId xmlns:a16="http://schemas.microsoft.com/office/drawing/2014/main" id="{DEA1AF70-47C6-5A7E-1A4E-99B14A75E3A8}"/>
+                <a16:creationId xmlns:a16="http://schemas.microsoft.com/office/drawing/2014/main" id="{16DBA049-505C-3603-4262-1C3C185F3C58}"/>
               </a:ext>
             </a:extLst>
           </p:cNvPr>
@@ -2801,7 +2801,7 @@
           <p:cNvPr id="3" name="文本占位符 2">
             <a:extLst>
               <a:ext uri="{FF2B5EF4-FFF2-40B4-BE49-F238E27FC236}">
-                <a16:creationId xmlns:a16="http://schemas.microsoft.com/office/drawing/2014/main" id="{30C0521F-D198-71EC-0A76-CDE15B54D931}"/>
+                <a16:creationId xmlns:a16="http://schemas.microsoft.com/office/drawing/2014/main" id="{2E093A6B-5190-DA4C-0448-5132F8DC8247}"/>
               </a:ext>
             </a:extLst>
           </p:cNvPr>
@@ -2868,7 +2868,7 @@
           <p:cNvPr id="4" name="日期占位符 3">
             <a:extLst>
               <a:ext uri="{FF2B5EF4-FFF2-40B4-BE49-F238E27FC236}">
-                <a16:creationId xmlns:a16="http://schemas.microsoft.com/office/drawing/2014/main" id="{2E06B00D-C609-C5DB-CEF3-3E8FBC8E5154}"/>
+                <a16:creationId xmlns:a16="http://schemas.microsoft.com/office/drawing/2014/main" id="{291AC6A6-ED26-C1B5-FD74-39321869E8AC}"/>
               </a:ext>
             </a:extLst>
           </p:cNvPr>
@@ -2902,7 +2902,7 @@
             </a:lvl1pPr>
           </a:lstStyle>
           <a:p>
-            <a:fld id="{C0CA8F00-BFB6-4094-A54F-65A947A16C37}" type="datetimeFigureOut">
+            <a:fld id="{07EF49AE-BB04-49A1-8512-4C4C35FA6CD3}" type="datetimeFigureOut">
               <a:rPr lang="zh-CN" altLang="en-US" smtClean="0"/>
               <a:t>2024/3/10</a:t>
             </a:fld>
@@ -2915,7 +2915,7 @@
           <p:cNvPr id="5" name="页脚占位符 4">
             <a:extLst>
               <a:ext uri="{FF2B5EF4-FFF2-40B4-BE49-F238E27FC236}">
-                <a16:creationId xmlns:a16="http://schemas.microsoft.com/office/drawing/2014/main" id="{A13342F9-909D-CD3C-D08A-A92C2E3A7D90}"/>
+                <a16:creationId xmlns:a16="http://schemas.microsoft.com/office/drawing/2014/main" id="{FB9C3A92-C6EF-A277-DDE5-5F95C73517F2}"/>
               </a:ext>
             </a:extLst>
           </p:cNvPr>
@@ -2958,7 +2958,7 @@
           <p:cNvPr id="6" name="灯片编号占位符 5">
             <a:extLst>
               <a:ext uri="{FF2B5EF4-FFF2-40B4-BE49-F238E27FC236}">
-                <a16:creationId xmlns:a16="http://schemas.microsoft.com/office/drawing/2014/main" id="{3E26BA25-4803-2DFA-6917-D62C23B2C039}"/>
+                <a16:creationId xmlns:a16="http://schemas.microsoft.com/office/drawing/2014/main" id="{450F830C-754F-85D0-4E0D-42C07AAE4EFC}"/>
               </a:ext>
             </a:extLst>
           </p:cNvPr>
@@ -2992,7 +2992,7 @@
             </a:lvl1pPr>
           </a:lstStyle>
           <a:p>
-            <a:fld id="{07D9C0C8-F6C0-41E9-AD4D-14302F3371E3}" type="slidenum">
+            <a:fld id="{D4704666-067D-4999-A8C3-CE1C70975D4A}" type="slidenum">
               <a:rPr lang="zh-CN" altLang="en-US" smtClean="0"/>
               <a:t>‹#›</a:t>
             </a:fld>
@@ -3003,7 +3003,7 @@
     </p:spTree>
     <p:extLst>
       <p:ext uri="{BB962C8B-B14F-4D97-AF65-F5344CB8AC3E}">
-        <p14:creationId xmlns:p14="http://schemas.microsoft.com/office/powerpoint/2010/main" val="2920240430"/>
+        <p14:creationId xmlns:p14="http://schemas.microsoft.com/office/powerpoint/2010/main" val="772133606"/>
       </p:ext>
     </p:extLst>
   </p:cSld>
